--- a/CRYSTALS-KYBER/KYBER_python_based_file.pptx
+++ b/CRYSTALS-KYBER/KYBER_python_based_file.pptx
@@ -19,7 +19,8 @@
     <p:sldId id="268" r:id="rId13"/>
     <p:sldId id="269" r:id="rId14"/>
     <p:sldId id="270" r:id="rId15"/>
-    <p:sldId id="258" r:id="rId16"/>
+    <p:sldId id="271" r:id="rId16"/>
+    <p:sldId id="258" r:id="rId17"/>
   </p:sldIdLst>
   <p:sldSz cx="12192000" cy="6858000"/>
   <p:notesSz cx="6858000" cy="9144000"/>
@@ -118,13 +119,18 @@
       </a:defRPr>
     </a:lvl9pPr>
   </p:defaultTextStyle>
+  <p:extLst>
+    <p:ext uri="{EFAFB233-063F-42B5-8137-9DF3F51BA10A}">
+      <p15:sldGuideLst xmlns:p15="http://schemas.microsoft.com/office/powerpoint/2012/main"/>
+    </p:ext>
+  </p:extLst>
 </p:presentation>
 </file>
 
 <file path=ppt/revisionInfo.xml><?xml version="1.0" encoding="utf-8"?>
 <p1510:revInfo xmlns:a="http://schemas.openxmlformats.org/drawingml/2006/main" xmlns:r="http://schemas.openxmlformats.org/officeDocument/2006/relationships" xmlns:p1510="http://schemas.microsoft.com/office/powerpoint/2015/10/main">
   <p1510:revLst>
-    <p1510:client id="{28081A8B-A21C-457C-9E87-659C6C1DF8B2}" v="266" dt="2024-04-08T08:38:27.701"/>
+    <p1510:client id="{28081A8B-A21C-457C-9E87-659C6C1DF8B2}" v="309" dt="2024-04-09T00:48:21.235"/>
   </p1510:revLst>
 </p1510:revInfo>
 </file>
@@ -134,7 +140,7 @@
   <pc:docChgLst>
     <pc:chgData name="정윤혁" userId="ff9e19bc-9426-4d78-9f9d-dd6179895ba9" providerId="ADAL" clId="{28081A8B-A21C-457C-9E87-659C6C1DF8B2}"/>
     <pc:docChg chg="undo custSel addSld delSld modSld">
-      <pc:chgData name="정윤혁" userId="ff9e19bc-9426-4d78-9f9d-dd6179895ba9" providerId="ADAL" clId="{28081A8B-A21C-457C-9E87-659C6C1DF8B2}" dt="2024-04-08T08:39:59.647" v="3805" actId="15"/>
+      <pc:chgData name="정윤혁" userId="ff9e19bc-9426-4d78-9f9d-dd6179895ba9" providerId="ADAL" clId="{28081A8B-A21C-457C-9E87-659C6C1DF8B2}" dt="2024-04-09T00:48:21.456" v="4521" actId="20577"/>
       <pc:docMkLst>
         <pc:docMk/>
       </pc:docMkLst>
@@ -411,20 +417,51 @@
           </ac:picMkLst>
         </pc:picChg>
       </pc:sldChg>
-      <pc:sldChg chg="modSp add mod">
-        <pc:chgData name="정윤혁" userId="ff9e19bc-9426-4d78-9f9d-dd6179895ba9" providerId="ADAL" clId="{28081A8B-A21C-457C-9E87-659C6C1DF8B2}" dt="2024-04-08T08:39:59.647" v="3805" actId="15"/>
+      <pc:sldChg chg="addSp modSp add mod">
+        <pc:chgData name="정윤혁" userId="ff9e19bc-9426-4d78-9f9d-dd6179895ba9" providerId="ADAL" clId="{28081A8B-A21C-457C-9E87-659C6C1DF8B2}" dt="2024-04-09T00:44:20.364" v="4048" actId="1076"/>
         <pc:sldMkLst>
           <pc:docMk/>
           <pc:sldMk cId="3914361539" sldId="270"/>
         </pc:sldMkLst>
         <pc:spChg chg="mod">
-          <ac:chgData name="정윤혁" userId="ff9e19bc-9426-4d78-9f9d-dd6179895ba9" providerId="ADAL" clId="{28081A8B-A21C-457C-9E87-659C6C1DF8B2}" dt="2024-04-08T08:39:59.647" v="3805" actId="15"/>
+          <ac:chgData name="정윤혁" userId="ff9e19bc-9426-4d78-9f9d-dd6179895ba9" providerId="ADAL" clId="{28081A8B-A21C-457C-9E87-659C6C1DF8B2}" dt="2024-04-09T00:44:09.650" v="4046"/>
           <ac:spMkLst>
             <pc:docMk/>
             <pc:sldMk cId="3914361539" sldId="270"/>
             <ac:spMk id="3" creationId="{D1BC48E0-E18C-A444-4743-5974A81B853D}"/>
           </ac:spMkLst>
         </pc:spChg>
+        <pc:picChg chg="add mod">
+          <ac:chgData name="정윤혁" userId="ff9e19bc-9426-4d78-9f9d-dd6179895ba9" providerId="ADAL" clId="{28081A8B-A21C-457C-9E87-659C6C1DF8B2}" dt="2024-04-09T00:44:20.364" v="4048" actId="1076"/>
+          <ac:picMkLst>
+            <pc:docMk/>
+            <pc:sldMk cId="3914361539" sldId="270"/>
+            <ac:picMk id="5" creationId="{3ED67B57-65D8-9FED-016A-4D675D7C438C}"/>
+          </ac:picMkLst>
+        </pc:picChg>
+      </pc:sldChg>
+      <pc:sldChg chg="delSp modSp add mod">
+        <pc:chgData name="정윤혁" userId="ff9e19bc-9426-4d78-9f9d-dd6179895ba9" providerId="ADAL" clId="{28081A8B-A21C-457C-9E87-659C6C1DF8B2}" dt="2024-04-09T00:48:21.456" v="4521" actId="20577"/>
+        <pc:sldMkLst>
+          <pc:docMk/>
+          <pc:sldMk cId="1097352678" sldId="271"/>
+        </pc:sldMkLst>
+        <pc:spChg chg="mod">
+          <ac:chgData name="정윤혁" userId="ff9e19bc-9426-4d78-9f9d-dd6179895ba9" providerId="ADAL" clId="{28081A8B-A21C-457C-9E87-659C6C1DF8B2}" dt="2024-04-09T00:48:21.456" v="4521" actId="20577"/>
+          <ac:spMkLst>
+            <pc:docMk/>
+            <pc:sldMk cId="1097352678" sldId="271"/>
+            <ac:spMk id="3" creationId="{D1BC48E0-E18C-A444-4743-5974A81B853D}"/>
+          </ac:spMkLst>
+        </pc:spChg>
+        <pc:picChg chg="del">
+          <ac:chgData name="정윤혁" userId="ff9e19bc-9426-4d78-9f9d-dd6179895ba9" providerId="ADAL" clId="{28081A8B-A21C-457C-9E87-659C6C1DF8B2}" dt="2024-04-09T00:44:25.708" v="4050" actId="478"/>
+          <ac:picMkLst>
+            <pc:docMk/>
+            <pc:sldMk cId="1097352678" sldId="271"/>
+            <ac:picMk id="5" creationId="{3ED67B57-65D8-9FED-016A-4D675D7C438C}"/>
+          </ac:picMkLst>
+        </pc:picChg>
       </pc:sldChg>
     </pc:docChg>
   </pc:docChgLst>
@@ -578,7 +615,7 @@
           <a:p>
             <a:fld id="{52EC7830-A40B-4B4D-84B3-7CF59214F8A6}" type="datetimeFigureOut">
               <a:rPr lang="ko-KR" altLang="en-US" smtClean="0"/>
-              <a:t>2024-04-08</a:t>
+              <a:t>2024-04-09</a:t>
             </a:fld>
             <a:endParaRPr lang="ko-KR" altLang="en-US"/>
           </a:p>
@@ -776,7 +813,7 @@
           <a:p>
             <a:fld id="{52EC7830-A40B-4B4D-84B3-7CF59214F8A6}" type="datetimeFigureOut">
               <a:rPr lang="ko-KR" altLang="en-US" smtClean="0"/>
-              <a:t>2024-04-08</a:t>
+              <a:t>2024-04-09</a:t>
             </a:fld>
             <a:endParaRPr lang="ko-KR" altLang="en-US"/>
           </a:p>
@@ -984,7 +1021,7 @@
           <a:p>
             <a:fld id="{52EC7830-A40B-4B4D-84B3-7CF59214F8A6}" type="datetimeFigureOut">
               <a:rPr lang="ko-KR" altLang="en-US" smtClean="0"/>
-              <a:t>2024-04-08</a:t>
+              <a:t>2024-04-09</a:t>
             </a:fld>
             <a:endParaRPr lang="ko-KR" altLang="en-US"/>
           </a:p>
@@ -1182,7 +1219,7 @@
           <a:p>
             <a:fld id="{52EC7830-A40B-4B4D-84B3-7CF59214F8A6}" type="datetimeFigureOut">
               <a:rPr lang="ko-KR" altLang="en-US" smtClean="0"/>
-              <a:t>2024-04-08</a:t>
+              <a:t>2024-04-09</a:t>
             </a:fld>
             <a:endParaRPr lang="ko-KR" altLang="en-US"/>
           </a:p>
@@ -1457,7 +1494,7 @@
           <a:p>
             <a:fld id="{52EC7830-A40B-4B4D-84B3-7CF59214F8A6}" type="datetimeFigureOut">
               <a:rPr lang="ko-KR" altLang="en-US" smtClean="0"/>
-              <a:t>2024-04-08</a:t>
+              <a:t>2024-04-09</a:t>
             </a:fld>
             <a:endParaRPr lang="ko-KR" altLang="en-US"/>
           </a:p>
@@ -1722,7 +1759,7 @@
           <a:p>
             <a:fld id="{52EC7830-A40B-4B4D-84B3-7CF59214F8A6}" type="datetimeFigureOut">
               <a:rPr lang="ko-KR" altLang="en-US" smtClean="0"/>
-              <a:t>2024-04-08</a:t>
+              <a:t>2024-04-09</a:t>
             </a:fld>
             <a:endParaRPr lang="ko-KR" altLang="en-US"/>
           </a:p>
@@ -2134,7 +2171,7 @@
           <a:p>
             <a:fld id="{52EC7830-A40B-4B4D-84B3-7CF59214F8A6}" type="datetimeFigureOut">
               <a:rPr lang="ko-KR" altLang="en-US" smtClean="0"/>
-              <a:t>2024-04-08</a:t>
+              <a:t>2024-04-09</a:t>
             </a:fld>
             <a:endParaRPr lang="ko-KR" altLang="en-US"/>
           </a:p>
@@ -2275,7 +2312,7 @@
           <a:p>
             <a:fld id="{52EC7830-A40B-4B4D-84B3-7CF59214F8A6}" type="datetimeFigureOut">
               <a:rPr lang="ko-KR" altLang="en-US" smtClean="0"/>
-              <a:t>2024-04-08</a:t>
+              <a:t>2024-04-09</a:t>
             </a:fld>
             <a:endParaRPr lang="ko-KR" altLang="en-US"/>
           </a:p>
@@ -2388,7 +2425,7 @@
           <a:p>
             <a:fld id="{52EC7830-A40B-4B4D-84B3-7CF59214F8A6}" type="datetimeFigureOut">
               <a:rPr lang="ko-KR" altLang="en-US" smtClean="0"/>
-              <a:t>2024-04-08</a:t>
+              <a:t>2024-04-09</a:t>
             </a:fld>
             <a:endParaRPr lang="ko-KR" altLang="en-US"/>
           </a:p>
@@ -2699,7 +2736,7 @@
           <a:p>
             <a:fld id="{52EC7830-A40B-4B4D-84B3-7CF59214F8A6}" type="datetimeFigureOut">
               <a:rPr lang="ko-KR" altLang="en-US" smtClean="0"/>
-              <a:t>2024-04-08</a:t>
+              <a:t>2024-04-09</a:t>
             </a:fld>
             <a:endParaRPr lang="ko-KR" altLang="en-US"/>
           </a:p>
@@ -2987,7 +3024,7 @@
           <a:p>
             <a:fld id="{52EC7830-A40B-4B4D-84B3-7CF59214F8A6}" type="datetimeFigureOut">
               <a:rPr lang="ko-KR" altLang="en-US" smtClean="0"/>
-              <a:t>2024-04-08</a:t>
+              <a:t>2024-04-09</a:t>
             </a:fld>
             <a:endParaRPr lang="ko-KR" altLang="en-US"/>
           </a:p>
@@ -3228,7 +3265,7 @@
           <a:p>
             <a:fld id="{52EC7830-A40B-4B4D-84B3-7CF59214F8A6}" type="datetimeFigureOut">
               <a:rPr lang="ko-KR" altLang="en-US" smtClean="0"/>
-              <a:t>2024-04-08</a:t>
+              <a:t>2024-04-09</a:t>
             </a:fld>
             <a:endParaRPr lang="ko-KR" altLang="en-US"/>
           </a:p>
@@ -3764,8 +3801,8 @@
           </a:p>
         </p:txBody>
       </p:sp>
-      <mc:AlternateContent xmlns:mc="http://schemas.openxmlformats.org/markup-compatibility/2006">
-        <mc:Choice xmlns:a14="http://schemas.microsoft.com/office/drawing/2010/main" Requires="a14">
+      <mc:AlternateContent xmlns:mc="http://schemas.openxmlformats.org/markup-compatibility/2006" xmlns:a14="http://schemas.microsoft.com/office/drawing/2010/main">
+        <mc:Choice Requires="a14">
           <p:sp>
             <p:nvSpPr>
               <p:cNvPr id="3" name="내용 개체 틀 2">
@@ -3929,7 +3966,7 @@
             </p:txBody>
           </p:sp>
         </mc:Choice>
-        <mc:Fallback>
+        <mc:Fallback xmlns="">
           <p:sp>
             <p:nvSpPr>
               <p:cNvPr id="3" name="내용 개체 틀 2">
@@ -4769,10 +4806,141 @@
           </a:p>
           <a:p>
             <a:pPr lvl="1"/>
+            <a:r>
+              <a:rPr lang="en-US" altLang="ko-KR"/>
+              <a:t>Output</a:t>
+            </a:r>
+            <a:r>
+              <a:rPr lang="ko-KR" altLang="en-US"/>
+              <a:t> </a:t>
+            </a:r>
+            <a:r>
+              <a:rPr lang="en-US" altLang="ko-KR"/>
+              <a:t>:</a:t>
+            </a:r>
+            <a:r>
+              <a:rPr lang="ko-KR" altLang="en-US"/>
+              <a:t> </a:t>
+            </a:r>
+            <a:r>
+              <a:rPr lang="en-US" altLang="ko-KR"/>
+              <a:t>SK(Secret Key, 8Bytes), PK(Public Key, 8 + 32Bytes)</a:t>
+            </a:r>
+          </a:p>
+          <a:p>
+            <a:pPr lvl="1"/>
+            <a:r>
+              <a:rPr lang="en-US" altLang="ko-KR"/>
+              <a:t>d = 32 Bytes(Random)</a:t>
+            </a:r>
+          </a:p>
+          <a:p>
+            <a:pPr lvl="1"/>
+            <a:r>
+              <a:rPr lang="en-US" altLang="ko-KR"/>
+              <a:t>rho, sigma = _g(d) (32Bytes, 32Bytes)</a:t>
+            </a:r>
+          </a:p>
+          <a:p>
+            <a:pPr lvl="1"/>
+            <a:endParaRPr lang="en-US" altLang="ko-KR"/>
+          </a:p>
+          <a:p>
+            <a:pPr lvl="1"/>
+            <a:r>
+              <a:rPr lang="ko-KR" altLang="en-US"/>
+              <a:t>행렬 </a:t>
+            </a:r>
+            <a:r>
+              <a:rPr lang="en-US" altLang="ko-KR"/>
+              <a:t>A </a:t>
+            </a:r>
+            <a:r>
+              <a:rPr lang="ko-KR" altLang="en-US"/>
+              <a:t>생성</a:t>
+            </a:r>
+            <a:endParaRPr lang="en-US" altLang="ko-KR"/>
+          </a:p>
+          <a:p>
+            <a:pPr lvl="1"/>
+            <a:endParaRPr lang="en-US" altLang="ko-KR"/>
+          </a:p>
+          <a:p>
+            <a:pPr lvl="1"/>
+            <a:r>
+              <a:rPr lang="ko-KR" altLang="en-US"/>
+              <a:t>에러 벡터 </a:t>
+            </a:r>
+            <a:r>
+              <a:rPr lang="en-US" altLang="ko-KR"/>
+              <a:t>s </a:t>
+            </a:r>
+            <a:r>
+              <a:rPr lang="ko-KR" altLang="en-US"/>
+              <a:t>생성</a:t>
+            </a:r>
+            <a:endParaRPr lang="en-US" altLang="ko-KR"/>
+          </a:p>
+          <a:p>
+            <a:pPr lvl="1"/>
+            <a:endParaRPr lang="en-US" altLang="ko-KR"/>
+          </a:p>
+          <a:p>
+            <a:pPr lvl="1"/>
+            <a:r>
+              <a:rPr lang="ko-KR" altLang="en-US"/>
+              <a:t>에러 벡터 </a:t>
+            </a:r>
+            <a:r>
+              <a:rPr lang="en-US" altLang="ko-KR"/>
+              <a:t>e </a:t>
+            </a:r>
+            <a:r>
+              <a:rPr lang="ko-KR" altLang="en-US"/>
+              <a:t>생성</a:t>
+            </a:r>
+            <a:endParaRPr lang="en-US" altLang="ko-KR"/>
+          </a:p>
+          <a:p>
+            <a:pPr lvl="1"/>
+            <a:endParaRPr lang="en-US" altLang="ko-KR"/>
+          </a:p>
+          <a:p>
+            <a:pPr lvl="1"/>
             <a:endParaRPr lang="ko-KR" altLang="en-US"/>
           </a:p>
         </p:txBody>
       </p:sp>
+      <p:pic>
+        <p:nvPicPr>
+          <p:cNvPr id="5" name="그림 4">
+            <a:extLst>
+              <a:ext uri="{FF2B5EF4-FFF2-40B4-BE49-F238E27FC236}">
+                <a16:creationId xmlns:a16="http://schemas.microsoft.com/office/drawing/2014/main" id="{3ED67B57-65D8-9FED-016A-4D675D7C438C}"/>
+              </a:ext>
+            </a:extLst>
+          </p:cNvPr>
+          <p:cNvPicPr>
+            <a:picLocks noChangeAspect="1"/>
+          </p:cNvPicPr>
+          <p:nvPr/>
+        </p:nvPicPr>
+        <p:blipFill>
+          <a:blip r:embed="rId2"/>
+          <a:stretch>
+            <a:fillRect/>
+          </a:stretch>
+        </p:blipFill>
+        <p:spPr>
+          <a:xfrm>
+            <a:off x="4729902" y="3723535"/>
+            <a:ext cx="5324475" cy="2305050"/>
+          </a:xfrm>
+          <a:prstGeom prst="rect">
+            <a:avLst/>
+          </a:prstGeom>
+        </p:spPr>
+      </p:pic>
     </p:spTree>
     <p:extLst>
       <p:ext uri="{BB962C8B-B14F-4D97-AF65-F5344CB8AC3E}">
@@ -4787,6 +4955,212 @@
 </file>
 
 <file path=ppt/slides/slide15.xml><?xml version="1.0" encoding="utf-8"?>
+<p:sld xmlns:a="http://schemas.openxmlformats.org/drawingml/2006/main" xmlns:r="http://schemas.openxmlformats.org/officeDocument/2006/relationships" xmlns:p="http://schemas.openxmlformats.org/presentationml/2006/main">
+  <p:cSld>
+    <p:spTree>
+      <p:nvGrpSpPr>
+        <p:cNvPr id="1" name=""/>
+        <p:cNvGrpSpPr/>
+        <p:nvPr/>
+      </p:nvGrpSpPr>
+      <p:grpSpPr>
+        <a:xfrm>
+          <a:off x="0" y="0"/>
+          <a:ext cx="0" cy="0"/>
+          <a:chOff x="0" y="0"/>
+          <a:chExt cx="0" cy="0"/>
+        </a:xfrm>
+      </p:grpSpPr>
+      <p:sp>
+        <p:nvSpPr>
+          <p:cNvPr id="2" name="제목 1">
+            <a:extLst>
+              <a:ext uri="{FF2B5EF4-FFF2-40B4-BE49-F238E27FC236}">
+                <a16:creationId xmlns:a16="http://schemas.microsoft.com/office/drawing/2014/main" id="{96BBC1B7-1A75-547A-D210-B1EE1D4AEB54}"/>
+              </a:ext>
+            </a:extLst>
+          </p:cNvPr>
+          <p:cNvSpPr>
+            <a:spLocks noGrp="1"/>
+          </p:cNvSpPr>
+          <p:nvPr>
+            <p:ph type="title"/>
+          </p:nvPr>
+        </p:nvSpPr>
+        <p:spPr/>
+        <p:txBody>
+          <a:bodyPr/>
+          <a:lstStyle/>
+          <a:p>
+            <a:r>
+              <a:rPr lang="en-US" altLang="ko-KR"/>
+              <a:t>Kyber.py</a:t>
+            </a:r>
+            <a:endParaRPr lang="ko-KR" altLang="en-US"/>
+          </a:p>
+        </p:txBody>
+      </p:sp>
+      <p:sp>
+        <p:nvSpPr>
+          <p:cNvPr id="3" name="내용 개체 틀 2">
+            <a:extLst>
+              <a:ext uri="{FF2B5EF4-FFF2-40B4-BE49-F238E27FC236}">
+                <a16:creationId xmlns:a16="http://schemas.microsoft.com/office/drawing/2014/main" id="{D1BC48E0-E18C-A444-4743-5974A81B853D}"/>
+              </a:ext>
+            </a:extLst>
+          </p:cNvPr>
+          <p:cNvSpPr>
+            <a:spLocks noGrp="1"/>
+          </p:cNvSpPr>
+          <p:nvPr>
+            <p:ph idx="1"/>
+          </p:nvPr>
+        </p:nvSpPr>
+        <p:spPr/>
+        <p:txBody>
+          <a:bodyPr>
+            <a:normAutofit/>
+          </a:bodyPr>
+          <a:lstStyle/>
+          <a:p>
+            <a:r>
+              <a:rPr lang="en-US" altLang="ko-KR"/>
+              <a:t>_cpapke_keygen</a:t>
+            </a:r>
+          </a:p>
+          <a:p>
+            <a:pPr lvl="1"/>
+            <a:r>
+              <a:rPr lang="en-US" altLang="ko-KR"/>
+              <a:t>Public key </a:t>
+            </a:r>
+            <a:r>
+              <a:rPr lang="ko-KR" altLang="en-US"/>
+              <a:t>생성</a:t>
+            </a:r>
+            <a:endParaRPr lang="en-US" altLang="ko-KR"/>
+          </a:p>
+          <a:p>
+            <a:pPr lvl="2"/>
+            <a:r>
+              <a:rPr lang="en-US" altLang="ko-KR"/>
+              <a:t>(A @ s).to_Montgomery() + e</a:t>
+            </a:r>
+          </a:p>
+          <a:p>
+            <a:pPr lvl="3"/>
+            <a:r>
+              <a:rPr lang="en-US" altLang="ko-KR"/>
+              <a:t>A</a:t>
+            </a:r>
+            <a:r>
+              <a:rPr lang="ko-KR" altLang="en-US"/>
+              <a:t>와 </a:t>
+            </a:r>
+            <a:r>
+              <a:rPr lang="en-US" altLang="ko-KR"/>
+              <a:t>s </a:t>
+            </a:r>
+            <a:r>
+              <a:rPr lang="ko-KR" altLang="en-US"/>
+              <a:t>행렬곱 이후 벡터를 몽고메리 표현</a:t>
+            </a:r>
+            <a:r>
+              <a:rPr lang="en-US" altLang="ko-KR"/>
+              <a:t>(montgomery</a:t>
+            </a:r>
+            <a:r>
+              <a:rPr lang="ko-KR" altLang="en-US"/>
+              <a:t> </a:t>
+            </a:r>
+            <a:r>
+              <a:rPr lang="en-US" altLang="ko-KR"/>
+              <a:t>modular</a:t>
+            </a:r>
+            <a:r>
+              <a:rPr lang="ko-KR" altLang="en-US"/>
+              <a:t> </a:t>
+            </a:r>
+            <a:r>
+              <a:rPr lang="en-US" altLang="ko-KR"/>
+              <a:t>multipication)</a:t>
+            </a:r>
+            <a:r>
+              <a:rPr lang="ko-KR" altLang="en-US"/>
+              <a:t>으로 변환하고 에러를 더함</a:t>
+            </a:r>
+            <a:endParaRPr lang="en-US" altLang="ko-KR"/>
+          </a:p>
+          <a:p>
+            <a:pPr lvl="3"/>
+            <a:r>
+              <a:rPr lang="ko-KR" altLang="en-US"/>
+              <a:t>왜</a:t>
+            </a:r>
+            <a:r>
+              <a:rPr lang="en-US" altLang="ko-KR"/>
+              <a:t>?</a:t>
+            </a:r>
+          </a:p>
+          <a:p>
+            <a:pPr lvl="4"/>
+            <a:r>
+              <a:rPr lang="ko-KR" altLang="en-US"/>
+              <a:t>큰 수 나눗셈은 구조상 계산 부하가 높음</a:t>
+            </a:r>
+            <a:endParaRPr lang="en-US" altLang="ko-KR"/>
+          </a:p>
+          <a:p>
+            <a:pPr lvl="4"/>
+            <a:r>
+              <a:rPr lang="ko-KR" altLang="en-US"/>
+              <a:t>곱셈을 할 때 마다 나눗셈 연산 대신 </a:t>
+            </a:r>
+            <a:r>
+              <a:rPr lang="en-US" altLang="ko-KR"/>
+              <a:t>bit shift </a:t>
+            </a:r>
+            <a:r>
+              <a:rPr lang="ko-KR" altLang="en-US"/>
+              <a:t>연산을 이용하겠다는 뜻</a:t>
+            </a:r>
+            <a:r>
+              <a:rPr lang="en-US" altLang="ko-KR"/>
+              <a:t>(</a:t>
+            </a:r>
+            <a:r>
+              <a:rPr lang="ko-KR" altLang="en-US"/>
+              <a:t>몽고메리 곱셈</a:t>
+            </a:r>
+            <a:r>
+              <a:rPr lang="en-US" altLang="ko-KR"/>
+              <a:t>)</a:t>
+            </a:r>
+          </a:p>
+          <a:p>
+            <a:pPr lvl="4"/>
+            <a:endParaRPr lang="en-US" altLang="ko-KR"/>
+          </a:p>
+          <a:p>
+            <a:pPr lvl="1"/>
+            <a:endParaRPr lang="ko-KR" altLang="en-US"/>
+          </a:p>
+        </p:txBody>
+      </p:sp>
+    </p:spTree>
+    <p:extLst>
+      <p:ext uri="{BB962C8B-B14F-4D97-AF65-F5344CB8AC3E}">
+        <p14:creationId xmlns:p14="http://schemas.microsoft.com/office/powerpoint/2010/main" val="1097352678"/>
+      </p:ext>
+    </p:extLst>
+  </p:cSld>
+  <p:clrMapOvr>
+    <a:masterClrMapping/>
+  </p:clrMapOvr>
+</p:sld>
+</file>
+
+<file path=ppt/slides/slide16.xml><?xml version="1.0" encoding="utf-8"?>
 <p:sld xmlns:a="http://schemas.openxmlformats.org/drawingml/2006/main" xmlns:r="http://schemas.openxmlformats.org/officeDocument/2006/relationships" xmlns:p="http://schemas.openxmlformats.org/presentationml/2006/main">
   <p:cSld>
     <p:spTree>
@@ -6283,8 +6657,8 @@
           </a:p>
         </p:txBody>
       </p:sp>
-      <mc:AlternateContent xmlns:mc="http://schemas.openxmlformats.org/markup-compatibility/2006">
-        <mc:Choice xmlns:a14="http://schemas.microsoft.com/office/drawing/2010/main" Requires="a14">
+      <mc:AlternateContent xmlns:mc="http://schemas.openxmlformats.org/markup-compatibility/2006" xmlns:a14="http://schemas.microsoft.com/office/drawing/2010/main">
+        <mc:Choice Requires="a14">
           <p:sp>
             <p:nvSpPr>
               <p:cNvPr id="3" name="내용 개체 틀 2">
@@ -6492,7 +6866,7 @@
             </p:txBody>
           </p:sp>
         </mc:Choice>
-        <mc:Fallback>
+        <mc:Fallback xmlns="">
           <p:sp>
             <p:nvSpPr>
               <p:cNvPr id="3" name="내용 개체 틀 2">
@@ -6591,8 +6965,8 @@
           </a:p>
         </p:txBody>
       </p:sp>
-      <mc:AlternateContent xmlns:mc="http://schemas.openxmlformats.org/markup-compatibility/2006">
-        <mc:Choice xmlns:a14="http://schemas.microsoft.com/office/drawing/2010/main" Requires="a14">
+      <mc:AlternateContent xmlns:mc="http://schemas.openxmlformats.org/markup-compatibility/2006" xmlns:a14="http://schemas.microsoft.com/office/drawing/2010/main">
+        <mc:Choice Requires="a14">
           <p:sp>
             <p:nvSpPr>
               <p:cNvPr id="3" name="내용 개체 틀 2">
@@ -6752,7 +7126,7 @@
             </p:txBody>
           </p:sp>
         </mc:Choice>
-        <mc:Fallback>
+        <mc:Fallback xmlns="">
           <p:sp>
             <p:nvSpPr>
               <p:cNvPr id="3" name="내용 개체 틀 2">
@@ -6851,8 +7225,8 @@
           </a:p>
         </p:txBody>
       </p:sp>
-      <mc:AlternateContent xmlns:mc="http://schemas.openxmlformats.org/markup-compatibility/2006">
-        <mc:Choice xmlns:a14="http://schemas.microsoft.com/office/drawing/2010/main" Requires="a14">
+      <mc:AlternateContent xmlns:mc="http://schemas.openxmlformats.org/markup-compatibility/2006" xmlns:a14="http://schemas.microsoft.com/office/drawing/2010/main">
+        <mc:Choice Requires="a14">
           <p:sp>
             <p:nvSpPr>
               <p:cNvPr id="3" name="내용 개체 틀 2">
@@ -7083,7 +7457,7 @@
             </p:txBody>
           </p:sp>
         </mc:Choice>
-        <mc:Fallback>
+        <mc:Fallback xmlns="">
           <p:sp>
             <p:nvSpPr>
               <p:cNvPr id="3" name="내용 개체 틀 2">
@@ -7182,8 +7556,8 @@
           </a:p>
         </p:txBody>
       </p:sp>
-      <mc:AlternateContent xmlns:mc="http://schemas.openxmlformats.org/markup-compatibility/2006">
-        <mc:Choice xmlns:a14="http://schemas.microsoft.com/office/drawing/2010/main" Requires="a14">
+      <mc:AlternateContent xmlns:mc="http://schemas.openxmlformats.org/markup-compatibility/2006" xmlns:a14="http://schemas.microsoft.com/office/drawing/2010/main">
+        <mc:Choice Requires="a14">
           <p:sp>
             <p:nvSpPr>
               <p:cNvPr id="3" name="내용 개체 틀 2">
@@ -7372,7 +7746,7 @@
             </p:txBody>
           </p:sp>
         </mc:Choice>
-        <mc:Fallback>
+        <mc:Fallback xmlns="">
           <p:sp>
             <p:nvSpPr>
               <p:cNvPr id="3" name="내용 개체 틀 2">
